--- a/heliosphere仕様関連/heliosphere_ver2.pptx
+++ b/heliosphere仕様関連/heliosphere_ver2.pptx
@@ -5,7 +5,7 @@
     <p:sldMasterId id="2147483648" r:id="rId1"/>
   </p:sldMasterIdLst>
   <p:notesMasterIdLst>
-    <p:notesMasterId r:id="rId7"/>
+    <p:notesMasterId r:id="rId9"/>
   </p:notesMasterIdLst>
   <p:sldIdLst>
     <p:sldId id="256" r:id="rId2"/>
@@ -13,6 +13,8 @@
     <p:sldId id="258" r:id="rId4"/>
     <p:sldId id="259" r:id="rId5"/>
     <p:sldId id="260" r:id="rId6"/>
+    <p:sldId id="261" r:id="rId7"/>
+    <p:sldId id="262" r:id="rId8"/>
   </p:sldIdLst>
   <p:sldSz cx="12192000" cy="6858000"/>
   <p:notesSz cx="6858000" cy="9144000"/>
@@ -213,7 +215,7 @@
           <a:p>
             <a:fld id="{E0277748-3B17-4EB4-A647-73A9A1DBAAE6}" type="datetimeFigureOut">
               <a:rPr kumimoji="1" lang="ja-JP" altLang="en-US" smtClean="0"/>
-              <a:t>2019/4/12</a:t>
+              <a:t>2019/5/25</a:t>
             </a:fld>
             <a:endParaRPr kumimoji="1" lang="ja-JP" altLang="en-US"/>
           </a:p>
@@ -728,7 +730,7 @@
           <a:p>
             <a:fld id="{425698A8-83EA-4DD8-9989-4A617AF32F57}" type="datetimeFigureOut">
               <a:rPr kumimoji="1" lang="ja-JP" altLang="en-US" smtClean="0"/>
-              <a:t>2019/4/12</a:t>
+              <a:t>2019/5/25</a:t>
             </a:fld>
             <a:endParaRPr kumimoji="1" lang="ja-JP" altLang="en-US"/>
           </a:p>
@@ -930,7 +932,7 @@
           <a:p>
             <a:fld id="{425698A8-83EA-4DD8-9989-4A617AF32F57}" type="datetimeFigureOut">
               <a:rPr kumimoji="1" lang="ja-JP" altLang="en-US" smtClean="0"/>
-              <a:t>2019/4/12</a:t>
+              <a:t>2019/5/25</a:t>
             </a:fld>
             <a:endParaRPr kumimoji="1" lang="ja-JP" altLang="en-US"/>
           </a:p>
@@ -1142,7 +1144,7 @@
           <a:p>
             <a:fld id="{425698A8-83EA-4DD8-9989-4A617AF32F57}" type="datetimeFigureOut">
               <a:rPr kumimoji="1" lang="ja-JP" altLang="en-US" smtClean="0"/>
-              <a:t>2019/4/12</a:t>
+              <a:t>2019/5/25</a:t>
             </a:fld>
             <a:endParaRPr kumimoji="1" lang="ja-JP" altLang="en-US"/>
           </a:p>
@@ -1344,7 +1346,7 @@
           <a:p>
             <a:fld id="{425698A8-83EA-4DD8-9989-4A617AF32F57}" type="datetimeFigureOut">
               <a:rPr kumimoji="1" lang="ja-JP" altLang="en-US" smtClean="0"/>
-              <a:t>2019/4/12</a:t>
+              <a:t>2019/5/25</a:t>
             </a:fld>
             <a:endParaRPr kumimoji="1" lang="ja-JP" altLang="en-US"/>
           </a:p>
@@ -1590,7 +1592,7 @@
           <a:p>
             <a:fld id="{425698A8-83EA-4DD8-9989-4A617AF32F57}" type="datetimeFigureOut">
               <a:rPr kumimoji="1" lang="ja-JP" altLang="en-US" smtClean="0"/>
-              <a:t>2019/4/12</a:t>
+              <a:t>2019/5/25</a:t>
             </a:fld>
             <a:endParaRPr kumimoji="1" lang="ja-JP" altLang="en-US"/>
           </a:p>
@@ -1886,7 +1888,7 @@
           <a:p>
             <a:fld id="{425698A8-83EA-4DD8-9989-4A617AF32F57}" type="datetimeFigureOut">
               <a:rPr kumimoji="1" lang="ja-JP" altLang="en-US" smtClean="0"/>
-              <a:t>2019/4/12</a:t>
+              <a:t>2019/5/25</a:t>
             </a:fld>
             <a:endParaRPr kumimoji="1" lang="ja-JP" altLang="en-US"/>
           </a:p>
@@ -2317,7 +2319,7 @@
           <a:p>
             <a:fld id="{425698A8-83EA-4DD8-9989-4A617AF32F57}" type="datetimeFigureOut">
               <a:rPr kumimoji="1" lang="ja-JP" altLang="en-US" smtClean="0"/>
-              <a:t>2019/4/12</a:t>
+              <a:t>2019/5/25</a:t>
             </a:fld>
             <a:endParaRPr kumimoji="1" lang="ja-JP" altLang="en-US"/>
           </a:p>
@@ -2435,7 +2437,7 @@
           <a:p>
             <a:fld id="{425698A8-83EA-4DD8-9989-4A617AF32F57}" type="datetimeFigureOut">
               <a:rPr kumimoji="1" lang="ja-JP" altLang="en-US" smtClean="0"/>
-              <a:t>2019/4/12</a:t>
+              <a:t>2019/5/25</a:t>
             </a:fld>
             <a:endParaRPr kumimoji="1" lang="ja-JP" altLang="en-US"/>
           </a:p>
@@ -2530,7 +2532,7 @@
           <a:p>
             <a:fld id="{425698A8-83EA-4DD8-9989-4A617AF32F57}" type="datetimeFigureOut">
               <a:rPr kumimoji="1" lang="ja-JP" altLang="en-US" smtClean="0"/>
-              <a:t>2019/4/12</a:t>
+              <a:t>2019/5/25</a:t>
             </a:fld>
             <a:endParaRPr kumimoji="1" lang="ja-JP" altLang="en-US"/>
           </a:p>
@@ -2839,7 +2841,7 @@
           <a:p>
             <a:fld id="{425698A8-83EA-4DD8-9989-4A617AF32F57}" type="datetimeFigureOut">
               <a:rPr kumimoji="1" lang="ja-JP" altLang="en-US" smtClean="0"/>
-              <a:t>2019/4/12</a:t>
+              <a:t>2019/5/25</a:t>
             </a:fld>
             <a:endParaRPr kumimoji="1" lang="ja-JP" altLang="en-US"/>
           </a:p>
@@ -3092,7 +3094,7 @@
           <a:p>
             <a:fld id="{425698A8-83EA-4DD8-9989-4A617AF32F57}" type="datetimeFigureOut">
               <a:rPr kumimoji="1" lang="ja-JP" altLang="en-US" smtClean="0"/>
-              <a:t>2019/4/12</a:t>
+              <a:t>2019/5/25</a:t>
             </a:fld>
             <a:endParaRPr kumimoji="1" lang="ja-JP" altLang="en-US"/>
           </a:p>
@@ -3347,7 +3349,7 @@
           <a:p>
             <a:fld id="{425698A8-83EA-4DD8-9989-4A617AF32F57}" type="datetimeFigureOut">
               <a:rPr kumimoji="1" lang="ja-JP" altLang="en-US" smtClean="0"/>
-              <a:t>2019/4/12</a:t>
+              <a:t>2019/5/25</a:t>
             </a:fld>
             <a:endParaRPr kumimoji="1" lang="ja-JP" altLang="en-US"/>
           </a:p>
@@ -3791,7 +3793,7 @@
                 </a:solidFill>
                 <a:latin typeface="Imprint MT Shadow" panose="04020605060303030202" pitchFamily="82" charset="0"/>
               </a:rPr>
-              <a:t>heliosphere</a:t>
+              <a:t>BLROOM</a:t>
             </a:r>
             <a:endParaRPr kumimoji="1" lang="ja-JP" altLang="en-US" sz="9600" b="1" dirty="0">
               <a:solidFill>
@@ -3824,12 +3826,12 @@
           <a:p>
             <a:pPr algn="dist"/>
             <a:r>
-              <a:rPr kumimoji="1" lang="ja-JP" altLang="en-US" b="1" dirty="0" smtClean="0">
+              <a:rPr lang="ja-JP" altLang="en-US" b="1" dirty="0">
                 <a:solidFill>
                   <a:srgbClr val="FFC000"/>
                 </a:solidFill>
               </a:rPr>
-              <a:t>ヘリオスフィア</a:t>
+              <a:t>ブルーム</a:t>
             </a:r>
             <a:endParaRPr kumimoji="1" lang="ja-JP" altLang="en-US" b="1" dirty="0">
               <a:solidFill>
@@ -4815,15 +4817,7 @@
                   <a:srgbClr val="00B050"/>
                 </a:solidFill>
               </a:rPr>
-              <a:t>・太陽</a:t>
-            </a:r>
-            <a:r>
-              <a:rPr kumimoji="1" lang="ja-JP" altLang="en-US" sz="2000" b="1" dirty="0" smtClean="0">
-                <a:solidFill>
-                  <a:srgbClr val="00B050"/>
-                </a:solidFill>
-              </a:rPr>
-              <a:t>は自由に操作・移動できる</a:t>
+              <a:t>・太陽は自由に操作・移動できる</a:t>
             </a:r>
             <a:endParaRPr kumimoji="1" lang="ja-JP" altLang="en-US" sz="2000" b="1" dirty="0">
               <a:solidFill>
@@ -4861,15 +4855,7 @@
                   <a:srgbClr val="00B050"/>
                 </a:solidFill>
               </a:rPr>
-              <a:t>彗星の尾を</a:t>
-            </a:r>
-            <a:r>
-              <a:rPr kumimoji="1" lang="ja-JP" altLang="en-US" b="1" dirty="0" smtClean="0">
-                <a:solidFill>
-                  <a:srgbClr val="00B050"/>
-                </a:solidFill>
-              </a:rPr>
-              <a:t>用いて</a:t>
+              <a:t>彗星の尾を用いて</a:t>
             </a:r>
             <a:r>
               <a:rPr lang="ja-JP" altLang="en-US" b="1" dirty="0">
@@ -4915,15 +4901,7 @@
                   <a:srgbClr val="00B050"/>
                 </a:solidFill>
               </a:rPr>
-              <a:t>・彗星</a:t>
-            </a:r>
-            <a:r>
-              <a:rPr kumimoji="1" lang="ja-JP" altLang="en-US" sz="2000" b="1" dirty="0" smtClean="0">
-                <a:solidFill>
-                  <a:srgbClr val="00B050"/>
-                </a:solidFill>
-              </a:rPr>
-              <a:t>は自動で周回している</a:t>
+              <a:t>・彗星は自動で周回している</a:t>
             </a:r>
             <a:endParaRPr kumimoji="1" lang="en-US" altLang="ja-JP" sz="2000" b="1" dirty="0" smtClean="0">
               <a:solidFill>
@@ -7709,6 +7687,484 @@
     <p:extLst>
       <p:ext uri="{BB962C8B-B14F-4D97-AF65-F5344CB8AC3E}">
         <p14:creationId xmlns:p14="http://schemas.microsoft.com/office/powerpoint/2010/main" val="1864116813"/>
+      </p:ext>
+    </p:extLst>
+  </p:cSld>
+  <p:clrMapOvr>
+    <a:masterClrMapping/>
+  </p:clrMapOvr>
+</p:sld>
+</file>
+
+<file path=ppt/slides/slide6.xml><?xml version="1.0" encoding="utf-8"?>
+<p:sld xmlns:a="http://schemas.openxmlformats.org/drawingml/2006/main" xmlns:r="http://schemas.openxmlformats.org/officeDocument/2006/relationships" xmlns:p="http://schemas.openxmlformats.org/presentationml/2006/main">
+  <p:cSld>
+    <p:spTree>
+      <p:nvGrpSpPr>
+        <p:cNvPr id="1" name=""/>
+        <p:cNvGrpSpPr/>
+        <p:nvPr/>
+      </p:nvGrpSpPr>
+      <p:grpSpPr>
+        <a:xfrm>
+          <a:off x="0" y="0"/>
+          <a:ext cx="0" cy="0"/>
+          <a:chOff x="0" y="0"/>
+          <a:chExt cx="0" cy="0"/>
+        </a:xfrm>
+      </p:grpSpPr>
+      <p:sp>
+        <p:nvSpPr>
+          <p:cNvPr id="2" name="タイトル 1"/>
+          <p:cNvSpPr txBox="1">
+            <a:spLocks/>
+          </p:cNvSpPr>
+          <p:nvPr/>
+        </p:nvSpPr>
+        <p:spPr>
+          <a:xfrm>
+            <a:off x="3004820" y="464820"/>
+            <a:ext cx="6697980" cy="800735"/>
+          </a:xfrm>
+          <a:prstGeom prst="rect">
+            <a:avLst/>
+          </a:prstGeom>
+          <a:gradFill flip="none" rotWithShape="1">
+            <a:gsLst>
+              <a:gs pos="100000">
+                <a:srgbClr val="FFC000"/>
+              </a:gs>
+              <a:gs pos="0">
+                <a:srgbClr val="002060"/>
+              </a:gs>
+              <a:gs pos="0">
+                <a:schemeClr val="accent1">
+                  <a:lumMod val="45000"/>
+                  <a:lumOff val="55000"/>
+                </a:schemeClr>
+              </a:gs>
+              <a:gs pos="0">
+                <a:srgbClr val="FFC000">
+                  <a:alpha val="49000"/>
+                </a:srgbClr>
+              </a:gs>
+            </a:gsLst>
+            <a:path path="circle">
+              <a:fillToRect l="100000" t="100000"/>
+            </a:path>
+            <a:tileRect r="-100000" b="-100000"/>
+          </a:gradFill>
+        </p:spPr>
+        <p:txBody>
+          <a:bodyPr>
+            <a:normAutofit/>
+          </a:bodyPr>
+          <a:lstStyle>
+            <a:lvl1pPr algn="l" defTabSz="914400" rtl="0" eaLnBrk="1" latinLnBrk="0" hangingPunct="1">
+              <a:lnSpc>
+                <a:spcPct val="90000"/>
+              </a:lnSpc>
+              <a:spcBef>
+                <a:spcPct val="0"/>
+              </a:spcBef>
+              <a:buNone/>
+              <a:defRPr kumimoji="1" sz="4400" kern="1200">
+                <a:solidFill>
+                  <a:schemeClr val="tx1"/>
+                </a:solidFill>
+                <a:latin typeface="+mj-lt"/>
+                <a:ea typeface="+mj-ea"/>
+                <a:cs typeface="+mj-cs"/>
+              </a:defRPr>
+            </a:lvl1pPr>
+          </a:lstStyle>
+          <a:p>
+            <a:pPr algn="ctr"/>
+            <a:r>
+              <a:rPr lang="ja-JP" altLang="en-US" sz="4800" b="1" dirty="0" smtClean="0">
+                <a:solidFill>
+                  <a:schemeClr val="accent5">
+                    <a:lumMod val="75000"/>
+                  </a:schemeClr>
+                </a:solidFill>
+                <a:effectLst>
+                  <a:outerShdw blurRad="38100" dist="38100" dir="2700000" algn="tl">
+                    <a:srgbClr val="000000">
+                      <a:alpha val="43137"/>
+                    </a:srgbClr>
+                  </a:outerShdw>
+                </a:effectLst>
+                <a:latin typeface="Imprint MT Shadow" panose="04020605060303030202" pitchFamily="82" charset="0"/>
+              </a:rPr>
+              <a:t>面白さ③</a:t>
+            </a:r>
+            <a:endParaRPr lang="ja-JP" altLang="en-US" sz="4800" b="1" dirty="0">
+              <a:solidFill>
+                <a:schemeClr val="accent5">
+                  <a:lumMod val="75000"/>
+                </a:schemeClr>
+              </a:solidFill>
+              <a:effectLst>
+                <a:outerShdw blurRad="38100" dist="38100" dir="2700000" algn="tl">
+                  <a:srgbClr val="000000">
+                    <a:alpha val="43137"/>
+                  </a:srgbClr>
+                </a:outerShdw>
+              </a:effectLst>
+              <a:latin typeface="Imprint MT Shadow" panose="04020605060303030202" pitchFamily="82" charset="0"/>
+            </a:endParaRPr>
+          </a:p>
+        </p:txBody>
+      </p:sp>
+      <p:sp>
+        <p:nvSpPr>
+          <p:cNvPr id="3" name="テキスト ボックス 2"/>
+          <p:cNvSpPr txBox="1"/>
+          <p:nvPr/>
+        </p:nvSpPr>
+        <p:spPr>
+          <a:xfrm>
+            <a:off x="812799" y="5187371"/>
+            <a:ext cx="10478671" cy="954107"/>
+          </a:xfrm>
+          <a:prstGeom prst="rect">
+            <a:avLst/>
+          </a:prstGeom>
+          <a:noFill/>
+        </p:spPr>
+        <p:txBody>
+          <a:bodyPr wrap="square" rtlCol="0" anchor="ctr" anchorCtr="1">
+            <a:spAutoFit/>
+          </a:bodyPr>
+          <a:lstStyle/>
+          <a:p>
+            <a:r>
+              <a:rPr lang="ja-JP" altLang="en-US" sz="2800" b="1" dirty="0">
+                <a:solidFill>
+                  <a:srgbClr val="FFC000"/>
+                </a:solidFill>
+              </a:rPr>
+              <a:t>基本的</a:t>
+            </a:r>
+            <a:r>
+              <a:rPr lang="ja-JP" altLang="en-US" sz="2800" b="1" dirty="0" smtClean="0">
+                <a:solidFill>
+                  <a:srgbClr val="FFC000"/>
+                </a:solidFill>
+              </a:rPr>
+              <a:t>に破壊しなければいけないオブジェクトは</a:t>
+            </a:r>
+            <a:endParaRPr lang="en-US" altLang="ja-JP" sz="2800" b="1" dirty="0" smtClean="0">
+              <a:solidFill>
+                <a:srgbClr val="FFC000"/>
+              </a:solidFill>
+            </a:endParaRPr>
+          </a:p>
+          <a:p>
+            <a:r>
+              <a:rPr kumimoji="1" lang="ja-JP" altLang="en-US" sz="2800" b="1" dirty="0">
+                <a:solidFill>
+                  <a:srgbClr val="FFC000"/>
+                </a:solidFill>
+              </a:rPr>
+              <a:t>大量</a:t>
+            </a:r>
+            <a:r>
+              <a:rPr kumimoji="1" lang="ja-JP" altLang="en-US" sz="2800" b="1" dirty="0" smtClean="0">
+                <a:solidFill>
+                  <a:srgbClr val="FFC000"/>
+                </a:solidFill>
+              </a:rPr>
+              <a:t>に配置。一斉に破壊する爽快感を得られる。</a:t>
+            </a:r>
+            <a:endParaRPr kumimoji="1" lang="ja-JP" altLang="en-US" sz="2800" b="1" dirty="0">
+              <a:solidFill>
+                <a:srgbClr val="FFC000"/>
+              </a:solidFill>
+            </a:endParaRPr>
+          </a:p>
+        </p:txBody>
+      </p:sp>
+      <p:pic>
+        <p:nvPicPr>
+          <p:cNvPr id="4" name="図 3"/>
+          <p:cNvPicPr>
+            <a:picLocks noChangeAspect="1"/>
+          </p:cNvPicPr>
+          <p:nvPr/>
+        </p:nvPicPr>
+        <p:blipFill>
+          <a:blip r:embed="rId2"/>
+          <a:stretch>
+            <a:fillRect/>
+          </a:stretch>
+        </p:blipFill>
+        <p:spPr>
+          <a:xfrm>
+            <a:off x="4371130" y="1605481"/>
+            <a:ext cx="3661908" cy="3241964"/>
+          </a:xfrm>
+          <a:prstGeom prst="rect">
+            <a:avLst/>
+          </a:prstGeom>
+        </p:spPr>
+      </p:pic>
+    </p:spTree>
+    <p:extLst>
+      <p:ext uri="{BB962C8B-B14F-4D97-AF65-F5344CB8AC3E}">
+        <p14:creationId xmlns:p14="http://schemas.microsoft.com/office/powerpoint/2010/main" val="1615246547"/>
+      </p:ext>
+    </p:extLst>
+  </p:cSld>
+  <p:clrMapOvr>
+    <a:masterClrMapping/>
+  </p:clrMapOvr>
+</p:sld>
+</file>
+
+<file path=ppt/slides/slide7.xml><?xml version="1.0" encoding="utf-8"?>
+<p:sld xmlns:a="http://schemas.openxmlformats.org/drawingml/2006/main" xmlns:r="http://schemas.openxmlformats.org/officeDocument/2006/relationships" xmlns:p="http://schemas.openxmlformats.org/presentationml/2006/main">
+  <p:cSld>
+    <p:spTree>
+      <p:nvGrpSpPr>
+        <p:cNvPr id="1" name=""/>
+        <p:cNvGrpSpPr/>
+        <p:nvPr/>
+      </p:nvGrpSpPr>
+      <p:grpSpPr>
+        <a:xfrm>
+          <a:off x="0" y="0"/>
+          <a:ext cx="0" cy="0"/>
+          <a:chOff x="0" y="0"/>
+          <a:chExt cx="0" cy="0"/>
+        </a:xfrm>
+      </p:grpSpPr>
+      <p:sp>
+        <p:nvSpPr>
+          <p:cNvPr id="2" name="タイトル 1"/>
+          <p:cNvSpPr txBox="1">
+            <a:spLocks/>
+          </p:cNvSpPr>
+          <p:nvPr/>
+        </p:nvSpPr>
+        <p:spPr>
+          <a:xfrm>
+            <a:off x="3004820" y="464820"/>
+            <a:ext cx="6697980" cy="800735"/>
+          </a:xfrm>
+          <a:prstGeom prst="rect">
+            <a:avLst/>
+          </a:prstGeom>
+          <a:gradFill flip="none" rotWithShape="1">
+            <a:gsLst>
+              <a:gs pos="100000">
+                <a:srgbClr val="FFC000"/>
+              </a:gs>
+              <a:gs pos="0">
+                <a:srgbClr val="002060"/>
+              </a:gs>
+              <a:gs pos="0">
+                <a:schemeClr val="accent1">
+                  <a:lumMod val="45000"/>
+                  <a:lumOff val="55000"/>
+                </a:schemeClr>
+              </a:gs>
+              <a:gs pos="0">
+                <a:srgbClr val="FFC000">
+                  <a:alpha val="49000"/>
+                </a:srgbClr>
+              </a:gs>
+            </a:gsLst>
+            <a:path path="circle">
+              <a:fillToRect l="100000" t="100000"/>
+            </a:path>
+            <a:tileRect r="-100000" b="-100000"/>
+          </a:gradFill>
+        </p:spPr>
+        <p:txBody>
+          <a:bodyPr>
+            <a:normAutofit/>
+          </a:bodyPr>
+          <a:lstStyle>
+            <a:lvl1pPr algn="l" defTabSz="914400" rtl="0" eaLnBrk="1" latinLnBrk="0" hangingPunct="1">
+              <a:lnSpc>
+                <a:spcPct val="90000"/>
+              </a:lnSpc>
+              <a:spcBef>
+                <a:spcPct val="0"/>
+              </a:spcBef>
+              <a:buNone/>
+              <a:defRPr kumimoji="1" sz="4400" kern="1200">
+                <a:solidFill>
+                  <a:schemeClr val="tx1"/>
+                </a:solidFill>
+                <a:latin typeface="+mj-lt"/>
+                <a:ea typeface="+mj-ea"/>
+                <a:cs typeface="+mj-cs"/>
+              </a:defRPr>
+            </a:lvl1pPr>
+          </a:lstStyle>
+          <a:p>
+            <a:pPr algn="ctr"/>
+            <a:r>
+              <a:rPr lang="en-US" altLang="ja-JP" sz="4800" b="1" dirty="0" smtClean="0">
+                <a:solidFill>
+                  <a:schemeClr val="accent5">
+                    <a:lumMod val="75000"/>
+                  </a:schemeClr>
+                </a:solidFill>
+                <a:effectLst>
+                  <a:outerShdw blurRad="38100" dist="38100" dir="2700000" algn="tl">
+                    <a:srgbClr val="000000">
+                      <a:alpha val="43137"/>
+                    </a:srgbClr>
+                  </a:outerShdw>
+                </a:effectLst>
+                <a:latin typeface="Imprint MT Shadow" panose="04020605060303030202" pitchFamily="82" charset="0"/>
+              </a:rPr>
+              <a:t>FEVER</a:t>
+            </a:r>
+            <a:r>
+              <a:rPr lang="ja-JP" altLang="en-US" sz="4800" b="1" dirty="0">
+                <a:solidFill>
+                  <a:schemeClr val="accent5">
+                    <a:lumMod val="75000"/>
+                  </a:schemeClr>
+                </a:solidFill>
+                <a:effectLst>
+                  <a:outerShdw blurRad="38100" dist="38100" dir="2700000" algn="tl">
+                    <a:srgbClr val="000000">
+                      <a:alpha val="43137"/>
+                    </a:srgbClr>
+                  </a:outerShdw>
+                </a:effectLst>
+                <a:latin typeface="Imprint MT Shadow" panose="04020605060303030202" pitchFamily="82" charset="0"/>
+              </a:rPr>
+              <a:t>モード</a:t>
+            </a:r>
+            <a:endParaRPr lang="ja-JP" altLang="en-US" sz="4800" b="1" dirty="0">
+              <a:solidFill>
+                <a:schemeClr val="accent5">
+                  <a:lumMod val="75000"/>
+                </a:schemeClr>
+              </a:solidFill>
+              <a:effectLst>
+                <a:outerShdw blurRad="38100" dist="38100" dir="2700000" algn="tl">
+                  <a:srgbClr val="000000">
+                    <a:alpha val="43137"/>
+                  </a:srgbClr>
+                </a:outerShdw>
+              </a:effectLst>
+              <a:latin typeface="Imprint MT Shadow" panose="04020605060303030202" pitchFamily="82" charset="0"/>
+            </a:endParaRPr>
+          </a:p>
+        </p:txBody>
+      </p:sp>
+      <p:pic>
+        <p:nvPicPr>
+          <p:cNvPr id="3" name="図 2"/>
+          <p:cNvPicPr>
+            <a:picLocks noChangeAspect="1"/>
+          </p:cNvPicPr>
+          <p:nvPr/>
+        </p:nvPicPr>
+        <p:blipFill>
+          <a:blip r:embed="rId2"/>
+          <a:stretch>
+            <a:fillRect/>
+          </a:stretch>
+        </p:blipFill>
+        <p:spPr>
+          <a:xfrm>
+            <a:off x="4371130" y="1605481"/>
+            <a:ext cx="3661908" cy="3241964"/>
+          </a:xfrm>
+          <a:prstGeom prst="rect">
+            <a:avLst/>
+          </a:prstGeom>
+        </p:spPr>
+      </p:pic>
+      <p:sp>
+        <p:nvSpPr>
+          <p:cNvPr id="4" name="テキスト ボックス 3"/>
+          <p:cNvSpPr txBox="1"/>
+          <p:nvPr/>
+        </p:nvSpPr>
+        <p:spPr>
+          <a:xfrm>
+            <a:off x="812799" y="5187371"/>
+            <a:ext cx="10478671" cy="954107"/>
+          </a:xfrm>
+          <a:prstGeom prst="rect">
+            <a:avLst/>
+          </a:prstGeom>
+          <a:noFill/>
+        </p:spPr>
+        <p:txBody>
+          <a:bodyPr wrap="square" rtlCol="0" anchor="ctr" anchorCtr="1">
+            <a:spAutoFit/>
+          </a:bodyPr>
+          <a:lstStyle/>
+          <a:p>
+            <a:r>
+              <a:rPr lang="ja-JP" altLang="en-US" sz="2800" b="1" dirty="0" smtClean="0">
+                <a:solidFill>
+                  <a:srgbClr val="FFC000"/>
+                </a:solidFill>
+              </a:rPr>
+              <a:t>一定スコア獲得ごとに</a:t>
+            </a:r>
+            <a:r>
+              <a:rPr lang="en-US" altLang="ja-JP" sz="2800" b="1" dirty="0" smtClean="0">
+                <a:solidFill>
+                  <a:srgbClr val="FFC000"/>
+                </a:solidFill>
+              </a:rPr>
+              <a:t>FEVER</a:t>
+            </a:r>
+            <a:r>
+              <a:rPr lang="ja-JP" altLang="en-US" sz="2800" b="1" dirty="0" smtClean="0">
+                <a:solidFill>
+                  <a:srgbClr val="FFC000"/>
+                </a:solidFill>
+              </a:rPr>
+              <a:t>モードという特設</a:t>
+            </a:r>
+            <a:endParaRPr lang="en-US" altLang="ja-JP" sz="2800" b="1" dirty="0" smtClean="0">
+              <a:solidFill>
+                <a:srgbClr val="FFC000"/>
+              </a:solidFill>
+            </a:endParaRPr>
+          </a:p>
+          <a:p>
+            <a:r>
+              <a:rPr kumimoji="1" lang="ja-JP" altLang="en-US" sz="2800" b="1" dirty="0" smtClean="0">
+                <a:solidFill>
+                  <a:srgbClr val="FFC000"/>
+                </a:solidFill>
+              </a:rPr>
+              <a:t>ステージに移行</a:t>
+            </a:r>
+            <a:r>
+              <a:rPr kumimoji="1" lang="ja-JP" altLang="en-US" sz="2800" b="1" dirty="0" smtClean="0">
+                <a:solidFill>
+                  <a:srgbClr val="FFC000"/>
+                </a:solidFill>
+              </a:rPr>
+              <a:t>。大量破壊とスコアアップにつながる！</a:t>
+            </a:r>
+            <a:endParaRPr kumimoji="1" lang="ja-JP" altLang="en-US" sz="2800" b="1" dirty="0">
+              <a:solidFill>
+                <a:srgbClr val="FFC000"/>
+              </a:solidFill>
+            </a:endParaRPr>
+          </a:p>
+        </p:txBody>
+      </p:sp>
+    </p:spTree>
+    <p:extLst>
+      <p:ext uri="{BB962C8B-B14F-4D97-AF65-F5344CB8AC3E}">
+        <p14:creationId xmlns:p14="http://schemas.microsoft.com/office/powerpoint/2010/main" val="192352957"/>
       </p:ext>
     </p:extLst>
   </p:cSld>
